--- a/production-idea/中間発表.pptx
+++ b/production-idea/中間発表.pptx
@@ -8,15 +8,16 @@
     <p:sldId id="256" r:id="rId2"/>
     <p:sldId id="265" r:id="rId3"/>
     <p:sldId id="257" r:id="rId4"/>
-    <p:sldId id="266" r:id="rId5"/>
-    <p:sldId id="258" r:id="rId6"/>
-    <p:sldId id="262" r:id="rId7"/>
-    <p:sldId id="259" r:id="rId8"/>
-    <p:sldId id="268" r:id="rId9"/>
-    <p:sldId id="261" r:id="rId10"/>
-    <p:sldId id="263" r:id="rId11"/>
-    <p:sldId id="260" r:id="rId12"/>
-    <p:sldId id="267" r:id="rId13"/>
+    <p:sldId id="269" r:id="rId5"/>
+    <p:sldId id="266" r:id="rId6"/>
+    <p:sldId id="258" r:id="rId7"/>
+    <p:sldId id="262" r:id="rId8"/>
+    <p:sldId id="259" r:id="rId9"/>
+    <p:sldId id="268" r:id="rId10"/>
+    <p:sldId id="261" r:id="rId11"/>
+    <p:sldId id="263" r:id="rId12"/>
+    <p:sldId id="260" r:id="rId13"/>
+    <p:sldId id="267" r:id="rId14"/>
   </p:sldIdLst>
   <p:sldSz cx="12192000" cy="6858000"/>
   <p:notesSz cx="6858000" cy="9144000"/>
@@ -1790,7 +1791,7 @@
           <a:p>
             <a:fld id="{43F7A5F7-1F4E-4815-83BA-C631F81E59B1}" type="datetimeFigureOut">
               <a:rPr kumimoji="1" lang="ja-JP" altLang="en-US" smtClean="0"/>
-              <a:t>2016/10/27</a:t>
+              <a:t>2016/10/28</a:t>
             </a:fld>
             <a:endParaRPr kumimoji="1" lang="ja-JP" altLang="en-US"/>
           </a:p>
@@ -2124,7 +2125,7 @@
           <a:p>
             <a:fld id="{43F7A5F7-1F4E-4815-83BA-C631F81E59B1}" type="datetimeFigureOut">
               <a:rPr kumimoji="1" lang="ja-JP" altLang="en-US" smtClean="0"/>
-              <a:t>2016/10/27</a:t>
+              <a:t>2016/10/28</a:t>
             </a:fld>
             <a:endParaRPr kumimoji="1" lang="ja-JP" altLang="en-US"/>
           </a:p>
@@ -2402,7 +2403,7 @@
           <a:p>
             <a:fld id="{43F7A5F7-1F4E-4815-83BA-C631F81E59B1}" type="datetimeFigureOut">
               <a:rPr kumimoji="1" lang="ja-JP" altLang="en-US" smtClean="0"/>
-              <a:t>2016/10/27</a:t>
+              <a:t>2016/10/28</a:t>
             </a:fld>
             <a:endParaRPr kumimoji="1" lang="ja-JP" altLang="en-US"/>
           </a:p>
@@ -2970,7 +2971,7 @@
           <a:p>
             <a:fld id="{43F7A5F7-1F4E-4815-83BA-C631F81E59B1}" type="datetimeFigureOut">
               <a:rPr kumimoji="1" lang="ja-JP" altLang="en-US" smtClean="0"/>
-              <a:t>2016/10/27</a:t>
+              <a:t>2016/10/28</a:t>
             </a:fld>
             <a:endParaRPr kumimoji="1" lang="ja-JP" altLang="en-US"/>
           </a:p>
@@ -3248,7 +3249,7 @@
           <a:p>
             <a:fld id="{43F7A5F7-1F4E-4815-83BA-C631F81E59B1}" type="datetimeFigureOut">
               <a:rPr kumimoji="1" lang="ja-JP" altLang="en-US" smtClean="0"/>
-              <a:t>2016/10/27</a:t>
+              <a:t>2016/10/28</a:t>
             </a:fld>
             <a:endParaRPr kumimoji="1" lang="ja-JP" altLang="en-US"/>
           </a:p>
@@ -3810,7 +3811,7 @@
           <a:p>
             <a:fld id="{43F7A5F7-1F4E-4815-83BA-C631F81E59B1}" type="datetimeFigureOut">
               <a:rPr kumimoji="1" lang="ja-JP" altLang="en-US" smtClean="0"/>
-              <a:t>2016/10/27</a:t>
+              <a:t>2016/10/28</a:t>
             </a:fld>
             <a:endParaRPr kumimoji="1" lang="ja-JP" altLang="en-US"/>
           </a:p>
@@ -4137,7 +4138,7 @@
           <a:p>
             <a:fld id="{43F7A5F7-1F4E-4815-83BA-C631F81E59B1}" type="datetimeFigureOut">
               <a:rPr kumimoji="1" lang="ja-JP" altLang="en-US" smtClean="0"/>
-              <a:t>2016/10/27</a:t>
+              <a:t>2016/10/28</a:t>
             </a:fld>
             <a:endParaRPr kumimoji="1" lang="ja-JP" altLang="en-US"/>
           </a:p>
@@ -4346,7 +4347,7 @@
           <a:p>
             <a:fld id="{43F7A5F7-1F4E-4815-83BA-C631F81E59B1}" type="datetimeFigureOut">
               <a:rPr kumimoji="1" lang="ja-JP" altLang="en-US" smtClean="0"/>
-              <a:t>2016/10/27</a:t>
+              <a:t>2016/10/28</a:t>
             </a:fld>
             <a:endParaRPr kumimoji="1" lang="ja-JP" altLang="en-US"/>
           </a:p>
@@ -4616,7 +4617,7 @@
           <a:p>
             <a:fld id="{43F7A5F7-1F4E-4815-83BA-C631F81E59B1}" type="datetimeFigureOut">
               <a:rPr kumimoji="1" lang="ja-JP" altLang="en-US" smtClean="0"/>
-              <a:t>2016/10/27</a:t>
+              <a:t>2016/10/28</a:t>
             </a:fld>
             <a:endParaRPr kumimoji="1" lang="ja-JP" altLang="en-US"/>
           </a:p>
@@ -4848,7 +4849,7 @@
           <a:p>
             <a:fld id="{43F7A5F7-1F4E-4815-83BA-C631F81E59B1}" type="datetimeFigureOut">
               <a:rPr kumimoji="1" lang="ja-JP" altLang="en-US" smtClean="0"/>
-              <a:t>2016/10/27</a:t>
+              <a:t>2016/10/28</a:t>
             </a:fld>
             <a:endParaRPr kumimoji="1" lang="ja-JP" altLang="en-US"/>
           </a:p>
@@ -5131,7 +5132,7 @@
           <a:p>
             <a:fld id="{43F7A5F7-1F4E-4815-83BA-C631F81E59B1}" type="datetimeFigureOut">
               <a:rPr kumimoji="1" lang="ja-JP" altLang="en-US" smtClean="0"/>
-              <a:t>2016/10/27</a:t>
+              <a:t>2016/10/28</a:t>
             </a:fld>
             <a:endParaRPr kumimoji="1" lang="ja-JP" altLang="en-US"/>
           </a:p>
@@ -5461,7 +5462,7 @@
           <a:p>
             <a:fld id="{43F7A5F7-1F4E-4815-83BA-C631F81E59B1}" type="datetimeFigureOut">
               <a:rPr kumimoji="1" lang="ja-JP" altLang="en-US" smtClean="0"/>
-              <a:t>2016/10/27</a:t>
+              <a:t>2016/10/28</a:t>
             </a:fld>
             <a:endParaRPr kumimoji="1" lang="ja-JP" altLang="en-US"/>
           </a:p>
@@ -5899,7 +5900,7 @@
           <a:p>
             <a:fld id="{43F7A5F7-1F4E-4815-83BA-C631F81E59B1}" type="datetimeFigureOut">
               <a:rPr kumimoji="1" lang="ja-JP" altLang="en-US" smtClean="0"/>
-              <a:t>2016/10/27</a:t>
+              <a:t>2016/10/28</a:t>
             </a:fld>
             <a:endParaRPr kumimoji="1" lang="ja-JP" altLang="en-US"/>
           </a:p>
@@ -6047,7 +6048,7 @@
           <a:p>
             <a:fld id="{43F7A5F7-1F4E-4815-83BA-C631F81E59B1}" type="datetimeFigureOut">
               <a:rPr kumimoji="1" lang="ja-JP" altLang="en-US" smtClean="0"/>
-              <a:t>2016/10/27</a:t>
+              <a:t>2016/10/28</a:t>
             </a:fld>
             <a:endParaRPr kumimoji="1" lang="ja-JP" altLang="en-US"/>
           </a:p>
@@ -6172,7 +6173,7 @@
           <a:p>
             <a:fld id="{43F7A5F7-1F4E-4815-83BA-C631F81E59B1}" type="datetimeFigureOut">
               <a:rPr kumimoji="1" lang="ja-JP" altLang="en-US" smtClean="0"/>
-              <a:t>2016/10/27</a:t>
+              <a:t>2016/10/28</a:t>
             </a:fld>
             <a:endParaRPr kumimoji="1" lang="ja-JP" altLang="en-US"/>
           </a:p>
@@ -6489,7 +6490,7 @@
           <a:p>
             <a:fld id="{43F7A5F7-1F4E-4815-83BA-C631F81E59B1}" type="datetimeFigureOut">
               <a:rPr kumimoji="1" lang="ja-JP" altLang="en-US" smtClean="0"/>
-              <a:t>2016/10/27</a:t>
+              <a:t>2016/10/28</a:t>
             </a:fld>
             <a:endParaRPr kumimoji="1" lang="ja-JP" altLang="en-US"/>
           </a:p>
@@ -6813,7 +6814,7 @@
           <a:p>
             <a:fld id="{43F7A5F7-1F4E-4815-83BA-C631F81E59B1}" type="datetimeFigureOut">
               <a:rPr kumimoji="1" lang="ja-JP" altLang="en-US" smtClean="0"/>
-              <a:t>2016/10/27</a:t>
+              <a:t>2016/10/28</a:t>
             </a:fld>
             <a:endParaRPr kumimoji="1" lang="ja-JP" altLang="en-US"/>
           </a:p>
@@ -7059,7 +7060,7 @@
           <a:p>
             <a:fld id="{43F7A5F7-1F4E-4815-83BA-C631F81E59B1}" type="datetimeFigureOut">
               <a:rPr kumimoji="1" lang="ja-JP" altLang="en-US" smtClean="0"/>
-              <a:t>2016/10/27</a:t>
+              <a:t>2016/10/28</a:t>
             </a:fld>
             <a:endParaRPr kumimoji="1" lang="ja-JP" altLang="en-US"/>
           </a:p>
@@ -7601,7 +7602,15 @@
           <a:p>
             <a:r>
               <a:rPr kumimoji="1" lang="en-US" altLang="ja-JP" sz="7200" dirty="0" smtClean="0"/>
-              <a:t>Cloud BM</a:t>
+              <a:t>Cloud </a:t>
+            </a:r>
+            <a:r>
+              <a:rPr kumimoji="1" lang="en-US" altLang="ja-JP" sz="7200" dirty="0" smtClean="0"/>
+              <a:t>BM</a:t>
+            </a:r>
+            <a:r>
+              <a:rPr kumimoji="1" lang="ja-JP" altLang="en-US" sz="7200" dirty="0" smtClean="0"/>
+              <a:t>　中間発表</a:t>
             </a:r>
             <a:endParaRPr kumimoji="1" lang="ja-JP" altLang="en-US" dirty="0"/>
           </a:p>
@@ -7740,6 +7749,95 @@
 </file>
 
 <file path=ppt/slides/slide10.xml><?xml version="1.0" encoding="utf-8"?>
+<p:sld xmlns:a="http://schemas.openxmlformats.org/drawingml/2006/main" xmlns:r="http://schemas.openxmlformats.org/officeDocument/2006/relationships" xmlns:p="http://schemas.openxmlformats.org/presentationml/2006/main">
+  <p:cSld>
+    <p:spTree>
+      <p:nvGrpSpPr>
+        <p:cNvPr id="1" name=""/>
+        <p:cNvGrpSpPr/>
+        <p:nvPr/>
+      </p:nvGrpSpPr>
+      <p:grpSpPr>
+        <a:xfrm>
+          <a:off x="0" y="0"/>
+          <a:ext cx="0" cy="0"/>
+          <a:chOff x="0" y="0"/>
+          <a:chExt cx="0" cy="0"/>
+        </a:xfrm>
+      </p:grpSpPr>
+      <p:sp>
+        <p:nvSpPr>
+          <p:cNvPr id="2" name="タイトル 1"/>
+          <p:cNvSpPr>
+            <a:spLocks noGrp="1"/>
+          </p:cNvSpPr>
+          <p:nvPr>
+            <p:ph type="title"/>
+          </p:nvPr>
+        </p:nvSpPr>
+        <p:spPr/>
+        <p:txBody>
+          <a:bodyPr/>
+          <a:lstStyle/>
+          <a:p>
+            <a:r>
+              <a:rPr kumimoji="1" lang="ja-JP" altLang="en-US" dirty="0" smtClean="0"/>
+              <a:t>参考までに、ブラウザ</a:t>
+            </a:r>
+            <a:r>
+              <a:rPr kumimoji="1" lang="ja-JP" altLang="en-US" dirty="0" smtClean="0"/>
+              <a:t>のブックマーク数</a:t>
+            </a:r>
+            <a:endParaRPr kumimoji="1" lang="ja-JP" altLang="en-US" dirty="0"/>
+          </a:p>
+        </p:txBody>
+      </p:sp>
+      <p:graphicFrame>
+        <p:nvGraphicFramePr>
+          <p:cNvPr id="4" name="コンテンツ プレースホルダー 3"/>
+          <p:cNvGraphicFramePr>
+            <a:graphicFrameLocks noGrp="1"/>
+          </p:cNvGraphicFramePr>
+          <p:nvPr>
+            <p:ph idx="1"/>
+            <p:extLst>
+              <p:ext uri="{D42A27DB-BD31-4B8C-83A1-F6EECF244321}">
+                <p14:modId xmlns:p14="http://schemas.microsoft.com/office/powerpoint/2010/main" val="605253954"/>
+              </p:ext>
+            </p:extLst>
+          </p:nvPr>
+        </p:nvGraphicFramePr>
+        <p:xfrm>
+          <a:off x="685800" y="2141538"/>
+          <a:ext cx="10131425" cy="3649662"/>
+        </p:xfrm>
+        <a:graphic>
+          <a:graphicData uri="http://schemas.openxmlformats.org/drawingml/2006/chart">
+            <c:chart xmlns:c="http://schemas.openxmlformats.org/drawingml/2006/chart" xmlns:r="http://schemas.openxmlformats.org/officeDocument/2006/relationships" r:id="rId2"/>
+          </a:graphicData>
+        </a:graphic>
+      </p:graphicFrame>
+    </p:spTree>
+    <p:extLst>
+      <p:ext uri="{BB962C8B-B14F-4D97-AF65-F5344CB8AC3E}">
+        <p14:creationId xmlns:p14="http://schemas.microsoft.com/office/powerpoint/2010/main" val="525601216"/>
+      </p:ext>
+    </p:extLst>
+  </p:cSld>
+  <p:clrMapOvr>
+    <a:masterClrMapping/>
+  </p:clrMapOvr>
+  <p:timing>
+    <p:tnLst>
+      <p:par>
+        <p:cTn id="1" dur="indefinite" restart="never" nodeType="tmRoot"/>
+      </p:par>
+    </p:tnLst>
+  </p:timing>
+</p:sld>
+</file>
+
+<file path=ppt/slides/slide11.xml><?xml version="1.0" encoding="utf-8"?>
 <p:sld xmlns:a="http://schemas.openxmlformats.org/drawingml/2006/main" xmlns:r="http://schemas.openxmlformats.org/officeDocument/2006/relationships" xmlns:p="http://schemas.openxmlformats.org/presentationml/2006/main" show="0">
   <p:cSld>
     <p:spTree>
@@ -7904,11 +8002,11 @@
   <p:clrMapOvr>
     <a:masterClrMapping/>
   </p:clrMapOvr>
-  <mc:AlternateContent xmlns:mc="http://schemas.openxmlformats.org/markup-compatibility/2006">
-    <mc:Choice xmlns:p14="http://schemas.microsoft.com/office/powerpoint/2010/main" Requires="p14">
+  <mc:AlternateContent xmlns:mc="http://schemas.openxmlformats.org/markup-compatibility/2006" xmlns:p14="http://schemas.microsoft.com/office/powerpoint/2010/main">
+    <mc:Choice Requires="p14">
       <p:transition spd="slow" p14:dur="2000"/>
     </mc:Choice>
-    <mc:Fallback>
+    <mc:Fallback xmlns="">
       <p:transition spd="slow"/>
     </mc:Fallback>
   </mc:AlternateContent>
@@ -7922,7 +8020,7 @@
 </p:sld>
 </file>
 
-<file path=ppt/slides/slide11.xml><?xml version="1.0" encoding="utf-8"?>
+<file path=ppt/slides/slide12.xml><?xml version="1.0" encoding="utf-8"?>
 <p:sld xmlns:a="http://schemas.openxmlformats.org/drawingml/2006/main" xmlns:r="http://schemas.openxmlformats.org/officeDocument/2006/relationships" xmlns:p="http://schemas.openxmlformats.org/presentationml/2006/main">
   <p:cSld>
     <p:spTree>
@@ -7984,7 +8082,11 @@
           <a:p>
             <a:r>
               <a:rPr kumimoji="1" lang="ja-JP" altLang="en-US" dirty="0" smtClean="0"/>
-              <a:t>想定したサービス（ブックマークを整理）の価値はあった。</a:t>
+              <a:t>想定したサービス（ブックマークを整理）の価値は</a:t>
+            </a:r>
+            <a:r>
+              <a:rPr kumimoji="1" lang="ja-JP" altLang="en-US" dirty="0" smtClean="0"/>
+              <a:t>あった</a:t>
             </a:r>
             <a:endParaRPr kumimoji="1" lang="en-US" altLang="ja-JP" dirty="0" smtClean="0"/>
           </a:p>
@@ -7999,9 +8101,21 @@
             <a:pPr lvl="1"/>
             <a:r>
               <a:rPr kumimoji="1" lang="ja-JP" altLang="en-US" dirty="0" smtClean="0"/>
-              <a:t>シンプルですぐ使え多機能であることが求められそう</a:t>
-            </a:r>
-            <a:endParaRPr kumimoji="1" lang="ja-JP" altLang="en-US" dirty="0"/>
+              <a:t>シンプルですぐ使え多機能であることが</a:t>
+            </a:r>
+            <a:r>
+              <a:rPr kumimoji="1" lang="ja-JP" altLang="en-US" dirty="0" smtClean="0"/>
+              <a:t>求められそう</a:t>
+            </a:r>
+            <a:endParaRPr kumimoji="1" lang="en-US" altLang="ja-JP" dirty="0" smtClean="0"/>
+          </a:p>
+          <a:p>
+            <a:pPr lvl="2"/>
+            <a:r>
+              <a:rPr kumimoji="1" lang="ja-JP" altLang="en-US" sz="2000" dirty="0" smtClean="0"/>
+              <a:t>↑興味を持ってくれたが使わない理由に手間が多そうとかそういった意見が多かった</a:t>
+            </a:r>
+            <a:endParaRPr kumimoji="1" lang="ja-JP" altLang="en-US" sz="2000" dirty="0"/>
           </a:p>
         </p:txBody>
       </p:sp>
@@ -8025,7 +8139,7 @@
 </p:sld>
 </file>
 
-<file path=ppt/slides/slide12.xml><?xml version="1.0" encoding="utf-8"?>
+<file path=ppt/slides/slide13.xml><?xml version="1.0" encoding="utf-8"?>
 <p:sld xmlns:a="http://schemas.openxmlformats.org/drawingml/2006/main" xmlns:r="http://schemas.openxmlformats.org/officeDocument/2006/relationships" xmlns:p="http://schemas.openxmlformats.org/presentationml/2006/main">
   <p:cSld>
     <p:spTree>
@@ -8265,7 +8379,11 @@
             <a:pPr lvl="1"/>
             <a:r>
               <a:rPr kumimoji="1" lang="ja-JP" altLang="en-US" dirty="0" smtClean="0"/>
-              <a:t>ブックマークしたいか？　などを質問</a:t>
+              <a:t>ブックマーク整理したい</a:t>
+            </a:r>
+            <a:r>
+              <a:rPr kumimoji="1" lang="ja-JP" altLang="en-US" dirty="0" smtClean="0"/>
+              <a:t>か？　などを質問</a:t>
             </a:r>
             <a:endParaRPr kumimoji="1" lang="en-US" altLang="ja-JP" dirty="0" smtClean="0"/>
           </a:p>
@@ -8730,7 +8848,7 @@
       </p:grpSpPr>
       <p:sp>
         <p:nvSpPr>
-          <p:cNvPr id="4" name="タイトル 3"/>
+          <p:cNvPr id="2" name="タイトル 1"/>
           <p:cNvSpPr>
             <a:spLocks noGrp="1"/>
           </p:cNvSpPr>
@@ -8743,9 +8861,81 @@
           <a:bodyPr/>
           <a:lstStyle/>
           <a:p>
+            <a:endParaRPr kumimoji="1" lang="ja-JP" altLang="en-US"/>
+          </a:p>
+        </p:txBody>
+      </p:sp>
+      <p:sp>
+        <p:nvSpPr>
+          <p:cNvPr id="3" name="コンテンツ プレースホルダー 2"/>
+          <p:cNvSpPr>
+            <a:spLocks noGrp="1"/>
+          </p:cNvSpPr>
+          <p:nvPr>
+            <p:ph idx="1"/>
+          </p:nvPr>
+        </p:nvSpPr>
+        <p:spPr/>
+        <p:txBody>
+          <a:bodyPr/>
+          <a:lstStyle/>
+          <a:p>
+            <a:endParaRPr kumimoji="1" lang="ja-JP" altLang="en-US"/>
+          </a:p>
+        </p:txBody>
+      </p:sp>
+    </p:spTree>
+    <p:extLst>
+      <p:ext uri="{BB962C8B-B14F-4D97-AF65-F5344CB8AC3E}">
+        <p14:creationId xmlns:p14="http://schemas.microsoft.com/office/powerpoint/2010/main" val="3503711099"/>
+      </p:ext>
+    </p:extLst>
+  </p:cSld>
+  <p:clrMapOvr>
+    <a:masterClrMapping/>
+  </p:clrMapOvr>
+</p:sld>
+</file>
+
+<file path=ppt/slides/slide5.xml><?xml version="1.0" encoding="utf-8"?>
+<p:sld xmlns:a="http://schemas.openxmlformats.org/drawingml/2006/main" xmlns:r="http://schemas.openxmlformats.org/officeDocument/2006/relationships" xmlns:p="http://schemas.openxmlformats.org/presentationml/2006/main">
+  <p:cSld>
+    <p:spTree>
+      <p:nvGrpSpPr>
+        <p:cNvPr id="1" name=""/>
+        <p:cNvGrpSpPr/>
+        <p:nvPr/>
+      </p:nvGrpSpPr>
+      <p:grpSpPr>
+        <a:xfrm>
+          <a:off x="0" y="0"/>
+          <a:ext cx="0" cy="0"/>
+          <a:chOff x="0" y="0"/>
+          <a:chExt cx="0" cy="0"/>
+        </a:xfrm>
+      </p:grpSpPr>
+      <p:sp>
+        <p:nvSpPr>
+          <p:cNvPr id="4" name="タイトル 3"/>
+          <p:cNvSpPr>
+            <a:spLocks noGrp="1"/>
+          </p:cNvSpPr>
+          <p:nvPr>
+            <p:ph type="title"/>
+          </p:nvPr>
+        </p:nvSpPr>
+        <p:spPr/>
+        <p:txBody>
+          <a:bodyPr/>
+          <a:lstStyle/>
+          <a:p>
             <a:r>
               <a:rPr kumimoji="1" lang="ja-JP" altLang="en-US" dirty="0" smtClean="0"/>
-              <a:t>実際にサービスの紹介をします</a:t>
+              <a:t>実際</a:t>
+            </a:r>
+            <a:r>
+              <a:rPr kumimoji="1" lang="ja-JP" altLang="en-US" dirty="0" smtClean="0"/>
+              <a:t>にインタビューをどう行ったか説明</a:t>
             </a:r>
             <a:endParaRPr kumimoji="1" lang="ja-JP" altLang="en-US" dirty="0"/>
           </a:p>
@@ -8790,7 +8980,7 @@
 </p:sld>
 </file>
 
-<file path=ppt/slides/slide5.xml><?xml version="1.0" encoding="utf-8"?>
+<file path=ppt/slides/slide6.xml><?xml version="1.0" encoding="utf-8"?>
 <p:sld xmlns:a="http://schemas.openxmlformats.org/drawingml/2006/main" xmlns:r="http://schemas.openxmlformats.org/officeDocument/2006/relationships" xmlns:p="http://schemas.openxmlformats.org/presentationml/2006/main">
   <p:cSld>
     <p:spTree>
@@ -8824,11 +9014,7 @@
           <a:p>
             <a:r>
               <a:rPr kumimoji="1" lang="ja-JP" altLang="en-US" dirty="0" smtClean="0"/>
-              <a:t>インタビュー</a:t>
-            </a:r>
-            <a:r>
-              <a:rPr kumimoji="1" lang="ja-JP" altLang="en-US" dirty="0" smtClean="0"/>
-              <a:t>結果</a:t>
+              <a:t>インタビュー結果</a:t>
             </a:r>
             <a:endParaRPr kumimoji="1" lang="ja-JP" altLang="en-US" dirty="0"/>
           </a:p>
@@ -8873,6 +9059,10 @@
             <a:r>
               <a:rPr lang="en-US" altLang="ja-JP" dirty="0" smtClean="0"/>
               <a:t>+</a:t>
+            </a:r>
+            <a:r>
+              <a:rPr lang="ja-JP" altLang="en-US" dirty="0" smtClean="0"/>
+              <a:t>　（２０代中心に４０代等も　技術系の人多め）</a:t>
             </a:r>
             <a:endParaRPr kumimoji="1" lang="en-US" altLang="ja-JP" dirty="0" smtClean="0"/>
           </a:p>
@@ -9214,7 +9404,7 @@
 </p:sld>
 </file>
 
-<file path=ppt/slides/slide6.xml><?xml version="1.0" encoding="utf-8"?>
+<file path=ppt/slides/slide7.xml><?xml version="1.0" encoding="utf-8"?>
 <p:sld xmlns:a="http://schemas.openxmlformats.org/drawingml/2006/main" xmlns:r="http://schemas.openxmlformats.org/officeDocument/2006/relationships" xmlns:p="http://schemas.openxmlformats.org/presentationml/2006/main">
   <p:cSld>
     <p:spTree>
@@ -9264,18 +9454,39 @@
             <p:ph idx="1"/>
           </p:nvPr>
         </p:nvSpPr>
-        <p:spPr/>
+        <p:spPr>
+          <a:xfrm>
+            <a:off x="434010" y="1572224"/>
+            <a:ext cx="11420060" cy="4788820"/>
+          </a:xfrm>
+        </p:spPr>
         <p:txBody>
           <a:bodyPr/>
           <a:lstStyle/>
           <a:p>
             <a:r>
+              <a:rPr kumimoji="1" lang="ja-JP" altLang="en-US" dirty="0" smtClean="0"/>
+              <a:t>使いたくないと答えた理由やもっと欲しいといった機能等から</a:t>
+            </a:r>
+            <a:endParaRPr kumimoji="1" lang="en-US" altLang="ja-JP" dirty="0" smtClean="0"/>
+          </a:p>
+          <a:p>
+            <a:pPr lvl="1"/>
+            <a:r>
               <a:rPr kumimoji="1" lang="ja-JP" altLang="en-US" dirty="0" smtClean="0">
                 <a:solidFill>
                   <a:srgbClr val="FFFF00"/>
                 </a:solidFill>
               </a:rPr>
-              <a:t>シンプルで使いやすい</a:t>
+              <a:t>シンプル</a:t>
+            </a:r>
+            <a:r>
+              <a:rPr kumimoji="1" lang="ja-JP" altLang="en-US" dirty="0" smtClean="0">
+                <a:solidFill>
+                  <a:srgbClr val="FFFF00"/>
+                </a:solidFill>
+              </a:rPr>
+              <a:t>で使いやすい</a:t>
             </a:r>
             <a:r>
               <a:rPr kumimoji="1" lang="ja-JP" altLang="en-US" dirty="0" smtClean="0"/>
@@ -9284,6 +9495,7 @@
             <a:endParaRPr kumimoji="1" lang="en-US" altLang="ja-JP" dirty="0" smtClean="0"/>
           </a:p>
           <a:p>
+            <a:pPr lvl="1"/>
             <a:r>
               <a:rPr kumimoji="1" lang="ja-JP" altLang="en-US" dirty="0" smtClean="0"/>
               <a:t>当初整理ということで分類を押していたが、整理＝捨てること　</a:t>
@@ -9350,7 +9562,7 @@
                                         <p:tgtEl>
                                           <p:spTgt spid="3">
                                             <p:txEl>
-                                              <p:pRg st="0" end="0"/>
+                                              <p:pRg st="1" end="1"/>
                                             </p:txEl>
                                           </p:spTgt>
                                         </p:tgtEl>
@@ -9368,7 +9580,7 @@
                                         <p:tgtEl>
                                           <p:spTgt spid="3">
                                             <p:txEl>
-                                              <p:pRg st="0" end="0"/>
+                                              <p:pRg st="1" end="1"/>
                                             </p:txEl>
                                           </p:spTgt>
                                         </p:tgtEl>
@@ -9411,7 +9623,7 @@
                                         <p:tgtEl>
                                           <p:spTgt spid="3">
                                             <p:txEl>
-                                              <p:pRg st="1" end="1"/>
+                                              <p:pRg st="0" end="0"/>
                                             </p:txEl>
                                           </p:spTgt>
                                         </p:tgtEl>
@@ -9429,7 +9641,68 @@
                                         <p:tgtEl>
                                           <p:spTgt spid="3">
                                             <p:txEl>
-                                              <p:pRg st="1" end="1"/>
+                                              <p:pRg st="0" end="0"/>
+                                            </p:txEl>
+                                          </p:spTgt>
+                                        </p:tgtEl>
+                                      </p:cBhvr>
+                                    </p:animEffect>
+                                  </p:childTnLst>
+                                </p:cTn>
+                              </p:par>
+                            </p:childTnLst>
+                          </p:cTn>
+                        </p:par>
+                      </p:childTnLst>
+                    </p:cTn>
+                  </p:par>
+                  <p:par>
+                    <p:cTn id="13" fill="hold">
+                      <p:stCondLst>
+                        <p:cond delay="indefinite"/>
+                      </p:stCondLst>
+                      <p:childTnLst>
+                        <p:par>
+                          <p:cTn id="14" fill="hold">
+                            <p:stCondLst>
+                              <p:cond delay="0"/>
+                            </p:stCondLst>
+                            <p:childTnLst>
+                              <p:par>
+                                <p:cTn id="15" presetID="10" presetClass="entr" presetSubtype="0" fill="hold" nodeType="clickEffect">
+                                  <p:stCondLst>
+                                    <p:cond delay="0"/>
+                                  </p:stCondLst>
+                                  <p:childTnLst>
+                                    <p:set>
+                                      <p:cBhvr>
+                                        <p:cTn id="16" dur="1" fill="hold">
+                                          <p:stCondLst>
+                                            <p:cond delay="0"/>
+                                          </p:stCondLst>
+                                        </p:cTn>
+                                        <p:tgtEl>
+                                          <p:spTgt spid="3">
+                                            <p:txEl>
+                                              <p:pRg st="2" end="2"/>
+                                            </p:txEl>
+                                          </p:spTgt>
+                                        </p:tgtEl>
+                                        <p:attrNameLst>
+                                          <p:attrName>style.visibility</p:attrName>
+                                        </p:attrNameLst>
+                                      </p:cBhvr>
+                                      <p:to>
+                                        <p:strVal val="visible"/>
+                                      </p:to>
+                                    </p:set>
+                                    <p:animEffect transition="in" filter="fade">
+                                      <p:cBhvr>
+                                        <p:cTn id="17" dur="500"/>
+                                        <p:tgtEl>
+                                          <p:spTgt spid="3">
+                                            <p:txEl>
+                                              <p:pRg st="2" end="2"/>
                                             </p:txEl>
                                           </p:spTgt>
                                         </p:tgtEl>
@@ -9469,7 +9742,7 @@
 </p:sld>
 </file>
 
-<file path=ppt/slides/slide7.xml><?xml version="1.0" encoding="utf-8"?>
+<file path=ppt/slides/slide8.xml><?xml version="1.0" encoding="utf-8"?>
 <p:sld xmlns:a="http://schemas.openxmlformats.org/drawingml/2006/main" xmlns:r="http://schemas.openxmlformats.org/officeDocument/2006/relationships" xmlns:p="http://schemas.openxmlformats.org/presentationml/2006/main">
   <p:cSld>
     <p:spTree>
@@ -9503,11 +9776,7 @@
           <a:p>
             <a:r>
               <a:rPr kumimoji="1" lang="ja-JP" altLang="en-US" dirty="0" smtClean="0"/>
-              <a:t>対象</a:t>
-            </a:r>
-            <a:r>
-              <a:rPr kumimoji="1" lang="ja-JP" altLang="en-US" dirty="0" smtClean="0"/>
-              <a:t>ユーザーと想定人数</a:t>
+              <a:t>対象ユーザーと想定人数</a:t>
             </a:r>
             <a:endParaRPr kumimoji="1" lang="ja-JP" altLang="en-US" dirty="0"/>
           </a:p>
@@ -9572,6 +9841,10 @@
           <a:p>
             <a:pPr lvl="1"/>
             <a:r>
+              <a:rPr kumimoji="1" lang="ja-JP" altLang="en-US" dirty="0" smtClean="0"/>
+              <a:t>特に言えば</a:t>
+            </a:r>
+            <a:r>
               <a:rPr kumimoji="1" lang="en-US" altLang="ja-JP" dirty="0" smtClean="0">
                 <a:solidFill>
                   <a:srgbClr val="FFFF00"/>
@@ -9585,11 +9858,23 @@
                   <a:srgbClr val="FFFF00"/>
                 </a:solidFill>
               </a:rPr>
-              <a:t>技術系</a:t>
+              <a:t>技術</a:t>
+            </a:r>
+            <a:r>
+              <a:rPr kumimoji="1" lang="ja-JP" altLang="en-US" dirty="0" smtClean="0">
+                <a:solidFill>
+                  <a:srgbClr val="FFFF00"/>
+                </a:solidFill>
+              </a:rPr>
+              <a:t>系の人</a:t>
             </a:r>
             <a:r>
               <a:rPr kumimoji="1" lang="ja-JP" altLang="en-US" dirty="0" smtClean="0"/>
-              <a:t>を中心</a:t>
+              <a:t>を</a:t>
+            </a:r>
+            <a:r>
+              <a:rPr kumimoji="1" lang="ja-JP" altLang="en-US" dirty="0" smtClean="0"/>
+              <a:t>中心</a:t>
             </a:r>
             <a:endParaRPr kumimoji="1" lang="en-US" altLang="ja-JP" dirty="0" smtClean="0"/>
           </a:p>
@@ -9804,107 +10089,6 @@
 </p:sld>
 </file>
 
-<file path=ppt/slides/slide8.xml><?xml version="1.0" encoding="utf-8"?>
-<p:sld xmlns:a="http://schemas.openxmlformats.org/drawingml/2006/main" xmlns:r="http://schemas.openxmlformats.org/officeDocument/2006/relationships" xmlns:p="http://schemas.openxmlformats.org/presentationml/2006/main">
-  <p:cSld>
-    <p:spTree>
-      <p:nvGrpSpPr>
-        <p:cNvPr id="1" name=""/>
-        <p:cNvGrpSpPr/>
-        <p:nvPr/>
-      </p:nvGrpSpPr>
-      <p:grpSpPr>
-        <a:xfrm>
-          <a:off x="0" y="0"/>
-          <a:ext cx="0" cy="0"/>
-          <a:chOff x="0" y="0"/>
-          <a:chExt cx="0" cy="0"/>
-        </a:xfrm>
-      </p:grpSpPr>
-      <p:sp>
-        <p:nvSpPr>
-          <p:cNvPr id="2" name="タイトル 1"/>
-          <p:cNvSpPr>
-            <a:spLocks noGrp="1"/>
-          </p:cNvSpPr>
-          <p:nvPr>
-            <p:ph type="title"/>
-          </p:nvPr>
-        </p:nvSpPr>
-        <p:spPr/>
-        <p:txBody>
-          <a:bodyPr/>
-          <a:lstStyle/>
-          <a:p>
-            <a:r>
-              <a:rPr kumimoji="1" lang="ja-JP" altLang="en-US" dirty="0" smtClean="0"/>
-              <a:t>人数について</a:t>
-            </a:r>
-            <a:endParaRPr kumimoji="1" lang="ja-JP" altLang="en-US" dirty="0"/>
-          </a:p>
-        </p:txBody>
-      </p:sp>
-      <p:sp>
-        <p:nvSpPr>
-          <p:cNvPr id="3" name="コンテンツ プレースホルダー 2"/>
-          <p:cNvSpPr>
-            <a:spLocks noGrp="1"/>
-          </p:cNvSpPr>
-          <p:nvPr>
-            <p:ph idx="1"/>
-          </p:nvPr>
-        </p:nvSpPr>
-        <p:spPr/>
-        <p:txBody>
-          <a:bodyPr/>
-          <a:lstStyle/>
-          <a:p>
-            <a:r>
-              <a:rPr kumimoji="1" lang="ja-JP" altLang="en-US" dirty="0" smtClean="0"/>
-              <a:t>はてなブックマークの利用者数　３４０万人（日本人口２％）</a:t>
-            </a:r>
-            <a:endParaRPr kumimoji="1" lang="en-US" altLang="ja-JP" dirty="0" smtClean="0"/>
-          </a:p>
-          <a:p>
-            <a:r>
-              <a:rPr kumimoji="1" lang="ja-JP" altLang="en-US" dirty="0" smtClean="0"/>
-              <a:t>ブラウザのブックマーク１００個以上のひとが大体９％　</a:t>
-            </a:r>
-            <a:r>
-              <a:rPr kumimoji="1" lang="en-US" altLang="ja-JP" dirty="0" smtClean="0"/>
-              <a:t>Twitter</a:t>
-            </a:r>
-            <a:r>
-              <a:rPr kumimoji="1" lang="ja-JP" altLang="en-US" dirty="0" smtClean="0"/>
-              <a:t>とかで取った（ハードユーザーが多いと思われる）ので母集団補正を掛けてまぁ日本の３％ほどがブックマーク大量と予想</a:t>
-            </a:r>
-            <a:endParaRPr kumimoji="1" lang="en-US" altLang="ja-JP" dirty="0" smtClean="0"/>
-          </a:p>
-          <a:p>
-            <a:endParaRPr kumimoji="1" lang="ja-JP" altLang="en-US" dirty="0"/>
-          </a:p>
-        </p:txBody>
-      </p:sp>
-    </p:spTree>
-    <p:extLst>
-      <p:ext uri="{BB962C8B-B14F-4D97-AF65-F5344CB8AC3E}">
-        <p14:creationId xmlns:p14="http://schemas.microsoft.com/office/powerpoint/2010/main" val="1821193293"/>
-      </p:ext>
-    </p:extLst>
-  </p:cSld>
-  <p:clrMapOvr>
-    <a:masterClrMapping/>
-  </p:clrMapOvr>
-  <p:timing>
-    <p:tnLst>
-      <p:par>
-        <p:cTn id="1" dur="indefinite" restart="never" nodeType="tmRoot"/>
-      </p:par>
-    </p:tnLst>
-  </p:timing>
-</p:sld>
-</file>
-
 <file path=ppt/slides/slide9.xml><?xml version="1.0" encoding="utf-8"?>
 <p:sld xmlns:a="http://schemas.openxmlformats.org/drawingml/2006/main" xmlns:r="http://schemas.openxmlformats.org/officeDocument/2006/relationships" xmlns:p="http://schemas.openxmlformats.org/presentationml/2006/main">
   <p:cSld>
@@ -9939,41 +10123,73 @@
           <a:p>
             <a:r>
               <a:rPr kumimoji="1" lang="ja-JP" altLang="en-US" dirty="0" smtClean="0"/>
-              <a:t>ブラウザのブックマーク数</a:t>
+              <a:t>人数について</a:t>
             </a:r>
             <a:endParaRPr kumimoji="1" lang="ja-JP" altLang="en-US" dirty="0"/>
           </a:p>
         </p:txBody>
       </p:sp>
-      <p:graphicFrame>
-        <p:nvGraphicFramePr>
-          <p:cNvPr id="4" name="コンテンツ プレースホルダー 3"/>
-          <p:cNvGraphicFramePr>
-            <a:graphicFrameLocks noGrp="1"/>
-          </p:cNvGraphicFramePr>
+      <p:sp>
+        <p:nvSpPr>
+          <p:cNvPr id="3" name="コンテンツ プレースホルダー 2"/>
+          <p:cNvSpPr>
+            <a:spLocks noGrp="1"/>
+          </p:cNvSpPr>
           <p:nvPr>
             <p:ph idx="1"/>
-            <p:extLst>
-              <p:ext uri="{D42A27DB-BD31-4B8C-83A1-F6EECF244321}">
-                <p14:modId xmlns:p14="http://schemas.microsoft.com/office/powerpoint/2010/main" val="605253954"/>
-              </p:ext>
-            </p:extLst>
-          </p:nvPr>
-        </p:nvGraphicFramePr>
-        <p:xfrm>
-          <a:off x="685800" y="2141538"/>
-          <a:ext cx="10131425" cy="3649662"/>
-        </p:xfrm>
-        <a:graphic>
-          <a:graphicData uri="http://schemas.openxmlformats.org/drawingml/2006/chart">
-            <c:chart xmlns:c="http://schemas.openxmlformats.org/drawingml/2006/chart" xmlns:r="http://schemas.openxmlformats.org/officeDocument/2006/relationships" r:id="rId2"/>
-          </a:graphicData>
-        </a:graphic>
-      </p:graphicFrame>
+          </p:nvPr>
+        </p:nvSpPr>
+        <p:spPr/>
+        <p:txBody>
+          <a:bodyPr/>
+          <a:lstStyle/>
+          <a:p>
+            <a:r>
+              <a:rPr kumimoji="1" lang="ja-JP" altLang="en-US" dirty="0" smtClean="0"/>
+              <a:t>はてなブックマークの利用者数　３４０万人（日本人口２％）</a:t>
+            </a:r>
+            <a:endParaRPr kumimoji="1" lang="en-US" altLang="ja-JP" dirty="0" smtClean="0"/>
+          </a:p>
+          <a:p>
+            <a:r>
+              <a:rPr kumimoji="1" lang="ja-JP" altLang="en-US" dirty="0" smtClean="0"/>
+              <a:t>ブラウザのブックマーク１００個以上のひとが大体</a:t>
+            </a:r>
+            <a:r>
+              <a:rPr kumimoji="1" lang="ja-JP" altLang="en-US" dirty="0" smtClean="0"/>
+              <a:t>９％（</a:t>
+            </a:r>
+            <a:r>
+              <a:rPr kumimoji="1" lang="en-US" altLang="ja-JP" dirty="0" smtClean="0"/>
+              <a:t>WEB</a:t>
+            </a:r>
+            <a:r>
+              <a:rPr kumimoji="1" lang="ja-JP" altLang="en-US" dirty="0" smtClean="0"/>
+              <a:t>アンケートより）</a:t>
+            </a:r>
+            <a:r>
+              <a:rPr kumimoji="1" lang="ja-JP" altLang="en-US" dirty="0" smtClean="0"/>
+              <a:t>　</a:t>
+            </a:r>
+            <a:r>
+              <a:rPr kumimoji="1" lang="ja-JP" altLang="en-US" dirty="0" smtClean="0"/>
+              <a:t>そこから補正し日本</a:t>
+            </a:r>
+            <a:r>
+              <a:rPr kumimoji="1" lang="ja-JP" altLang="en-US" dirty="0" smtClean="0"/>
+              <a:t>の３％ほどがブックマーク大量と予想</a:t>
+            </a:r>
+            <a:endParaRPr kumimoji="1" lang="en-US" altLang="ja-JP" dirty="0" smtClean="0"/>
+          </a:p>
+          <a:p>
+            <a:endParaRPr kumimoji="1" lang="ja-JP" altLang="en-US" dirty="0"/>
+          </a:p>
+        </p:txBody>
+      </p:sp>
     </p:spTree>
     <p:extLst>
       <p:ext uri="{BB962C8B-B14F-4D97-AF65-F5344CB8AC3E}">
-        <p14:creationId xmlns:p14="http://schemas.microsoft.com/office/powerpoint/2010/main" val="525601216"/>
+        <p14:creationId xmlns:p14="http://schemas.microsoft.com/office/powerpoint/2010/main" val="1821193293"/>
       </p:ext>
     </p:extLst>
   </p:cSld>
